--- a/projectPowerpoint.pptx
+++ b/projectPowerpoint.pptx
@@ -124,6 +124,35 @@
 </p:presentation>
 </file>
 
+<file path=ppt/changesInfos/changesInfo1.xml><?xml version="1.0" encoding="utf-8"?>
+<pc:chgInfo xmlns:a="http://schemas.openxmlformats.org/drawingml/2006/main" xmlns:r="http://schemas.openxmlformats.org/officeDocument/2006/relationships" xmlns:ac="http://schemas.microsoft.com/office/drawing/2013/main/command" xmlns:pc="http://schemas.microsoft.com/office/powerpoint/2013/main/command">
+  <pc:docChgLst>
+    <pc:chgData name="Marcin Malec" userId="cb6d2a9f9d8dec11" providerId="LiveId" clId="{6762E692-010A-4898-92CE-87AC7E6E3D14}"/>
+    <pc:docChg chg="modSld">
+      <pc:chgData name="Marcin Malec" userId="cb6d2a9f9d8dec11" providerId="LiveId" clId="{6762E692-010A-4898-92CE-87AC7E6E3D14}" dt="2020-12-10T05:33:13.385" v="33" actId="20577"/>
+      <pc:docMkLst>
+        <pc:docMk/>
+      </pc:docMkLst>
+      <pc:sldChg chg="modSp mod">
+        <pc:chgData name="Marcin Malec" userId="cb6d2a9f9d8dec11" providerId="LiveId" clId="{6762E692-010A-4898-92CE-87AC7E6E3D14}" dt="2020-12-10T05:33:13.385" v="33" actId="20577"/>
+        <pc:sldMkLst>
+          <pc:docMk/>
+          <pc:sldMk cId="153298656" sldId="268"/>
+        </pc:sldMkLst>
+        <pc:spChg chg="mod">
+          <ac:chgData name="Marcin Malec" userId="cb6d2a9f9d8dec11" providerId="LiveId" clId="{6762E692-010A-4898-92CE-87AC7E6E3D14}" dt="2020-12-10T05:33:13.385" v="33" actId="20577"/>
+          <ac:spMkLst>
+            <pc:docMk/>
+            <pc:sldMk cId="153298656" sldId="268"/>
+            <ac:spMk id="5" creationId="{00000000-0000-0000-0000-000000000000}"/>
+          </ac:spMkLst>
+        </pc:spChg>
+      </pc:sldChg>
+    </pc:docChg>
+  </pc:docChgLst>
+</pc:chgInfo>
+</file>
+
 <file path=ppt/notesMasters/notesMaster1.xml><?xml version="1.0" encoding="utf-8"?>
 <p:notesMaster xmlns:a="http://schemas.openxmlformats.org/drawingml/2006/main" xmlns:r="http://schemas.openxmlformats.org/officeDocument/2006/relationships" xmlns:p="http://schemas.openxmlformats.org/presentationml/2006/main">
   <p:cSld>
@@ -206,7 +235,7 @@
           <a:p>
             <a:fld id="{99FC1F18-FA36-4F8A-9D35-12236A84275D}" type="datetimeFigureOut">
               <a:rPr lang="en-US" smtClean="0"/>
-              <a:t>12/8/2020</a:t>
+              <a:t>12/9/2020</a:t>
             </a:fld>
             <a:endParaRPr lang="en-US"/>
           </a:p>
@@ -602,7 +631,7 @@
           <a:p>
             <a:fld id="{2C4A057F-5F0A-4E11-B116-E9D7A37D8F5F}" type="datetime1">
               <a:rPr lang="en-US" smtClean="0"/>
-              <a:t>12/8/2020</a:t>
+              <a:t>12/9/2020</a:t>
             </a:fld>
             <a:endParaRPr lang="en-US"/>
           </a:p>
@@ -770,7 +799,7 @@
           <a:p>
             <a:fld id="{D3D31AA2-F68F-42F7-B027-828755705579}" type="datetime1">
               <a:rPr lang="en-US" smtClean="0"/>
-              <a:t>12/8/2020</a:t>
+              <a:t>12/9/2020</a:t>
             </a:fld>
             <a:endParaRPr lang="en-US"/>
           </a:p>
@@ -948,7 +977,7 @@
           <a:p>
             <a:fld id="{E1CD6B31-C554-488E-A9E5-7A6D9F86DAE1}" type="datetime1">
               <a:rPr lang="en-US" smtClean="0"/>
-              <a:t>12/8/2020</a:t>
+              <a:t>12/9/2020</a:t>
             </a:fld>
             <a:endParaRPr lang="en-US"/>
           </a:p>
@@ -1116,7 +1145,7 @@
           <a:p>
             <a:fld id="{5AD55685-FD21-4350-BB8B-0785EEDAE516}" type="datetime1">
               <a:rPr lang="en-US" smtClean="0"/>
-              <a:t>12/8/2020</a:t>
+              <a:t>12/9/2020</a:t>
             </a:fld>
             <a:endParaRPr lang="en-US"/>
           </a:p>
@@ -1361,7 +1390,7 @@
           <a:p>
             <a:fld id="{51BBCEB4-94AE-4586-A72F-A6900F8BEC58}" type="datetime1">
               <a:rPr lang="en-US" smtClean="0"/>
-              <a:t>12/8/2020</a:t>
+              <a:t>12/9/2020</a:t>
             </a:fld>
             <a:endParaRPr lang="en-US"/>
           </a:p>
@@ -1590,7 +1619,7 @@
           <a:p>
             <a:fld id="{618F435A-08ED-4E9E-85CB-51C228D04C3C}" type="datetime1">
               <a:rPr lang="en-US" smtClean="0"/>
-              <a:t>12/8/2020</a:t>
+              <a:t>12/9/2020</a:t>
             </a:fld>
             <a:endParaRPr lang="en-US"/>
           </a:p>
@@ -1954,7 +1983,7 @@
           <a:p>
             <a:fld id="{865B5E9A-7F24-4CAF-B526-C53F85C34C0F}" type="datetime1">
               <a:rPr lang="en-US" smtClean="0"/>
-              <a:t>12/8/2020</a:t>
+              <a:t>12/9/2020</a:t>
             </a:fld>
             <a:endParaRPr lang="en-US"/>
           </a:p>
@@ -2071,7 +2100,7 @@
           <a:p>
             <a:fld id="{8DAEB612-D54D-4F61-AD43-03A92601E625}" type="datetime1">
               <a:rPr lang="en-US" smtClean="0"/>
-              <a:t>12/8/2020</a:t>
+              <a:t>12/9/2020</a:t>
             </a:fld>
             <a:endParaRPr lang="en-US"/>
           </a:p>
@@ -2166,7 +2195,7 @@
           <a:p>
             <a:fld id="{EFD5B74D-F4AC-4409-90E4-7C2326424894}" type="datetime1">
               <a:rPr lang="en-US" smtClean="0"/>
-              <a:t>12/8/2020</a:t>
+              <a:t>12/9/2020</a:t>
             </a:fld>
             <a:endParaRPr lang="en-US"/>
           </a:p>
@@ -2441,7 +2470,7 @@
           <a:p>
             <a:fld id="{445878C2-0B9F-44BF-9122-59187CB884AF}" type="datetime1">
               <a:rPr lang="en-US" smtClean="0"/>
-              <a:t>12/8/2020</a:t>
+              <a:t>12/9/2020</a:t>
             </a:fld>
             <a:endParaRPr lang="en-US"/>
           </a:p>
@@ -2693,7 +2722,7 @@
           <a:p>
             <a:fld id="{DFCF7D7C-391C-421D-B493-62CBB6FC6761}" type="datetime1">
               <a:rPr lang="en-US" smtClean="0"/>
-              <a:t>12/8/2020</a:t>
+              <a:t>12/9/2020</a:t>
             </a:fld>
             <a:endParaRPr lang="en-US"/>
           </a:p>
@@ -2904,7 +2933,7 @@
           <a:p>
             <a:fld id="{BDDFD4A8-6FC9-40AC-8373-280600517D35}" type="datetime1">
               <a:rPr lang="en-US" smtClean="0"/>
-              <a:t>12/8/2020</a:t>
+              <a:t>12/9/2020</a:t>
             </a:fld>
             <a:endParaRPr lang="en-US"/>
           </a:p>
@@ -4955,6 +4984,12 @@
             <a:r>
               <a:rPr lang="en-US" sz="4400" dirty="0"/>
               <a:t>Deployment</a:t>
+            </a:r>
+          </a:p>
+          <a:p>
+            <a:r>
+              <a:rPr lang="en-US" sz="4400" dirty="0"/>
+              <a:t>Fully integrate a physical sensor</a:t>
             </a:r>
             <a:endParaRPr lang="en-US" sz="1200" dirty="0"/>
           </a:p>
